--- a/RIMEDIE/Mat09_2015/Iniciativa_Fel/Examen_PLANEA092015.pptx
+++ b/RIMEDIE/Mat09_2015/Iniciativa_Fel/Examen_PLANEA092015.pptx
@@ -157,7 +157,7 @@
   </p:defaultTextStyle>
   <p:extLst>
     <p:ext uri="{EFAFB233-063F-42B5-8137-9DF3F51BA10A}">
-      <p15:sldGuideLst xmlns:p15="http://schemas.microsoft.com/office/powerpoint/2012/main">
+      <p15:sldGuideLst xmlns:p15="http://schemas.microsoft.com/office/powerpoint/2012/main" xmlns="">
         <p15:guide id="1" orient="horz" pos="2160" userDrawn="1">
           <p15:clr>
             <a:srgbClr val="A4A3A4"/>
@@ -305,7 +305,7 @@
           <a:p>
             <a:fld id="{67105ACC-95B5-4839-9A0E-A0C954C44A61}" type="datetimeFigureOut">
               <a:rPr lang="es-MX" smtClean="0"/>
-              <a:t>30/04/2019</a:t>
+              <a:t>01/05/2019</a:t>
             </a:fld>
             <a:endParaRPr lang="es-MX"/>
           </a:p>
@@ -475,7 +475,7 @@
           <a:p>
             <a:fld id="{67105ACC-95B5-4839-9A0E-A0C954C44A61}" type="datetimeFigureOut">
               <a:rPr lang="es-MX" smtClean="0"/>
-              <a:t>30/04/2019</a:t>
+              <a:t>01/05/2019</a:t>
             </a:fld>
             <a:endParaRPr lang="es-MX"/>
           </a:p>
@@ -655,7 +655,7 @@
           <a:p>
             <a:fld id="{67105ACC-95B5-4839-9A0E-A0C954C44A61}" type="datetimeFigureOut">
               <a:rPr lang="es-MX" smtClean="0"/>
-              <a:t>30/04/2019</a:t>
+              <a:t>01/05/2019</a:t>
             </a:fld>
             <a:endParaRPr lang="es-MX"/>
           </a:p>
@@ -825,7 +825,7 @@
           <a:p>
             <a:fld id="{67105ACC-95B5-4839-9A0E-A0C954C44A61}" type="datetimeFigureOut">
               <a:rPr lang="es-MX" smtClean="0"/>
-              <a:t>30/04/2019</a:t>
+              <a:t>01/05/2019</a:t>
             </a:fld>
             <a:endParaRPr lang="es-MX"/>
           </a:p>
@@ -1071,7 +1071,7 @@
           <a:p>
             <a:fld id="{67105ACC-95B5-4839-9A0E-A0C954C44A61}" type="datetimeFigureOut">
               <a:rPr lang="es-MX" smtClean="0"/>
-              <a:t>30/04/2019</a:t>
+              <a:t>01/05/2019</a:t>
             </a:fld>
             <a:endParaRPr lang="es-MX"/>
           </a:p>
@@ -1303,7 +1303,7 @@
           <a:p>
             <a:fld id="{67105ACC-95B5-4839-9A0E-A0C954C44A61}" type="datetimeFigureOut">
               <a:rPr lang="es-MX" smtClean="0"/>
-              <a:t>30/04/2019</a:t>
+              <a:t>01/05/2019</a:t>
             </a:fld>
             <a:endParaRPr lang="es-MX"/>
           </a:p>
@@ -1670,7 +1670,7 @@
           <a:p>
             <a:fld id="{67105ACC-95B5-4839-9A0E-A0C954C44A61}" type="datetimeFigureOut">
               <a:rPr lang="es-MX" smtClean="0"/>
-              <a:t>30/04/2019</a:t>
+              <a:t>01/05/2019</a:t>
             </a:fld>
             <a:endParaRPr lang="es-MX"/>
           </a:p>
@@ -1788,7 +1788,7 @@
           <a:p>
             <a:fld id="{67105ACC-95B5-4839-9A0E-A0C954C44A61}" type="datetimeFigureOut">
               <a:rPr lang="es-MX" smtClean="0"/>
-              <a:t>30/04/2019</a:t>
+              <a:t>01/05/2019</a:t>
             </a:fld>
             <a:endParaRPr lang="es-MX"/>
           </a:p>
@@ -1883,7 +1883,7 @@
           <a:p>
             <a:fld id="{67105ACC-95B5-4839-9A0E-A0C954C44A61}" type="datetimeFigureOut">
               <a:rPr lang="es-MX" smtClean="0"/>
-              <a:t>30/04/2019</a:t>
+              <a:t>01/05/2019</a:t>
             </a:fld>
             <a:endParaRPr lang="es-MX"/>
           </a:p>
@@ -2160,7 +2160,7 @@
           <a:p>
             <a:fld id="{67105ACC-95B5-4839-9A0E-A0C954C44A61}" type="datetimeFigureOut">
               <a:rPr lang="es-MX" smtClean="0"/>
-              <a:t>30/04/2019</a:t>
+              <a:t>01/05/2019</a:t>
             </a:fld>
             <a:endParaRPr lang="es-MX"/>
           </a:p>
@@ -2413,7 +2413,7 @@
           <a:p>
             <a:fld id="{67105ACC-95B5-4839-9A0E-A0C954C44A61}" type="datetimeFigureOut">
               <a:rPr lang="es-MX" smtClean="0"/>
-              <a:t>30/04/2019</a:t>
+              <a:t>01/05/2019</a:t>
             </a:fld>
             <a:endParaRPr lang="es-MX"/>
           </a:p>
@@ -2626,7 +2626,7 @@
           <a:p>
             <a:fld id="{67105ACC-95B5-4839-9A0E-A0C954C44A61}" type="datetimeFigureOut">
               <a:rPr lang="es-MX" smtClean="0"/>
-              <a:t>30/04/2019</a:t>
+              <a:t>01/05/2019</a:t>
             </a:fld>
             <a:endParaRPr lang="es-MX"/>
           </a:p>
@@ -3519,6 +3519,54 @@
           </a:prstGeom>
         </p:spPr>
       </p:pic>
+      <p:sp>
+        <p:nvSpPr>
+          <p:cNvPr id="3" name="2 Triángulo isósceles"/>
+          <p:cNvSpPr/>
+          <p:nvPr/>
+        </p:nvSpPr>
+        <p:spPr>
+          <a:xfrm>
+            <a:off x="9019309" y="2815936"/>
+            <a:ext cx="2701636" cy="2784764"/>
+          </a:xfrm>
+          <a:prstGeom prst="triangle">
+            <a:avLst/>
+          </a:prstGeom>
+          <a:solidFill>
+            <a:srgbClr val="FF0000"/>
+          </a:solidFill>
+          <a:ln w="76200">
+            <a:solidFill>
+              <a:schemeClr val="tx1"/>
+            </a:solidFill>
+          </a:ln>
+        </p:spPr>
+        <p:style>
+          <a:lnRef idx="2">
+            <a:schemeClr val="accent1">
+              <a:shade val="50000"/>
+            </a:schemeClr>
+          </a:lnRef>
+          <a:fillRef idx="1">
+            <a:schemeClr val="accent1"/>
+          </a:fillRef>
+          <a:effectRef idx="0">
+            <a:schemeClr val="accent1"/>
+          </a:effectRef>
+          <a:fontRef idx="minor">
+            <a:schemeClr val="lt1"/>
+          </a:fontRef>
+        </p:style>
+        <p:txBody>
+          <a:bodyPr rtlCol="0" anchor="ctr"/>
+          <a:lstStyle/>
+          <a:p>
+            <a:pPr algn="ctr"/>
+            <a:endParaRPr lang="es-MX"/>
+          </a:p>
+        </p:txBody>
+      </p:sp>
     </p:spTree>
     <p:extLst>
       <p:ext uri="{BB962C8B-B14F-4D97-AF65-F5344CB8AC3E}">
@@ -3573,6 +3621,54 @@
           </a:prstGeom>
         </p:spPr>
       </p:pic>
+      <p:sp>
+        <p:nvSpPr>
+          <p:cNvPr id="3" name="2 Triángulo isósceles"/>
+          <p:cNvSpPr/>
+          <p:nvPr/>
+        </p:nvSpPr>
+        <p:spPr>
+          <a:xfrm>
+            <a:off x="9019309" y="2815936"/>
+            <a:ext cx="2701636" cy="2784764"/>
+          </a:xfrm>
+          <a:prstGeom prst="triangle">
+            <a:avLst/>
+          </a:prstGeom>
+          <a:solidFill>
+            <a:srgbClr val="FF0000"/>
+          </a:solidFill>
+          <a:ln w="76200">
+            <a:solidFill>
+              <a:schemeClr val="tx1"/>
+            </a:solidFill>
+          </a:ln>
+        </p:spPr>
+        <p:style>
+          <a:lnRef idx="2">
+            <a:schemeClr val="accent1">
+              <a:shade val="50000"/>
+            </a:schemeClr>
+          </a:lnRef>
+          <a:fillRef idx="1">
+            <a:schemeClr val="accent1"/>
+          </a:fillRef>
+          <a:effectRef idx="0">
+            <a:schemeClr val="accent1"/>
+          </a:effectRef>
+          <a:fontRef idx="minor">
+            <a:schemeClr val="lt1"/>
+          </a:fontRef>
+        </p:style>
+        <p:txBody>
+          <a:bodyPr rtlCol="0" anchor="ctr"/>
+          <a:lstStyle/>
+          <a:p>
+            <a:pPr algn="ctr"/>
+            <a:endParaRPr lang="es-MX"/>
+          </a:p>
+        </p:txBody>
+      </p:sp>
     </p:spTree>
     <p:extLst>
       <p:ext uri="{BB962C8B-B14F-4D97-AF65-F5344CB8AC3E}">
@@ -3751,6 +3847,52 @@
           </a:prstGeom>
         </p:spPr>
       </p:pic>
+      <p:sp>
+        <p:nvSpPr>
+          <p:cNvPr id="6" name="Rectángulo redondeado 2"/>
+          <p:cNvSpPr/>
+          <p:nvPr/>
+        </p:nvSpPr>
+        <p:spPr>
+          <a:xfrm>
+            <a:off x="3016251" y="3429001"/>
+            <a:ext cx="2480540" cy="1922462"/>
+          </a:xfrm>
+          <a:prstGeom prst="roundRect">
+            <a:avLst/>
+          </a:prstGeom>
+          <a:noFill/>
+          <a:ln w="38100">
+            <a:solidFill>
+              <a:srgbClr val="FF0000"/>
+            </a:solidFill>
+          </a:ln>
+        </p:spPr>
+        <p:style>
+          <a:lnRef idx="2">
+            <a:schemeClr val="accent1">
+              <a:shade val="50000"/>
+            </a:schemeClr>
+          </a:lnRef>
+          <a:fillRef idx="1">
+            <a:schemeClr val="accent1"/>
+          </a:fillRef>
+          <a:effectRef idx="0">
+            <a:schemeClr val="accent1"/>
+          </a:effectRef>
+          <a:fontRef idx="minor">
+            <a:schemeClr val="lt1"/>
+          </a:fontRef>
+        </p:style>
+        <p:txBody>
+          <a:bodyPr rtlCol="0" anchor="ctr"/>
+          <a:lstStyle/>
+          <a:p>
+            <a:pPr algn="ctr"/>
+            <a:endParaRPr lang="es-MX"/>
+          </a:p>
+        </p:txBody>
+      </p:sp>
     </p:spTree>
     <p:extLst>
       <p:ext uri="{BB962C8B-B14F-4D97-AF65-F5344CB8AC3E}">
@@ -3805,6 +3947,52 @@
           </a:prstGeom>
         </p:spPr>
       </p:pic>
+      <p:sp>
+        <p:nvSpPr>
+          <p:cNvPr id="3" name="Rectángulo redondeado 2"/>
+          <p:cNvSpPr/>
+          <p:nvPr/>
+        </p:nvSpPr>
+        <p:spPr>
+          <a:xfrm>
+            <a:off x="2475924" y="5247410"/>
+            <a:ext cx="1722003" cy="342900"/>
+          </a:xfrm>
+          <a:prstGeom prst="roundRect">
+            <a:avLst/>
+          </a:prstGeom>
+          <a:noFill/>
+          <a:ln w="38100">
+            <a:solidFill>
+              <a:srgbClr val="FF0000"/>
+            </a:solidFill>
+          </a:ln>
+        </p:spPr>
+        <p:style>
+          <a:lnRef idx="2">
+            <a:schemeClr val="accent1">
+              <a:shade val="50000"/>
+            </a:schemeClr>
+          </a:lnRef>
+          <a:fillRef idx="1">
+            <a:schemeClr val="accent1"/>
+          </a:fillRef>
+          <a:effectRef idx="0">
+            <a:schemeClr val="accent1"/>
+          </a:effectRef>
+          <a:fontRef idx="minor">
+            <a:schemeClr val="lt1"/>
+          </a:fontRef>
+        </p:style>
+        <p:txBody>
+          <a:bodyPr rtlCol="0" anchor="ctr"/>
+          <a:lstStyle/>
+          <a:p>
+            <a:pPr algn="ctr"/>
+            <a:endParaRPr lang="es-MX"/>
+          </a:p>
+        </p:txBody>
+      </p:sp>
     </p:spTree>
     <p:extLst>
       <p:ext uri="{BB962C8B-B14F-4D97-AF65-F5344CB8AC3E}">
@@ -6886,6 +7074,52 @@
           </a:prstGeom>
         </p:spPr>
       </p:pic>
+      <p:sp>
+        <p:nvSpPr>
+          <p:cNvPr id="3" name="Rectángulo redondeado 2"/>
+          <p:cNvSpPr/>
+          <p:nvPr/>
+        </p:nvSpPr>
+        <p:spPr>
+          <a:xfrm>
+            <a:off x="535711" y="4114801"/>
+            <a:ext cx="1480125" cy="395286"/>
+          </a:xfrm>
+          <a:prstGeom prst="roundRect">
+            <a:avLst/>
+          </a:prstGeom>
+          <a:noFill/>
+          <a:ln w="38100">
+            <a:solidFill>
+              <a:srgbClr val="FF0000"/>
+            </a:solidFill>
+          </a:ln>
+        </p:spPr>
+        <p:style>
+          <a:lnRef idx="2">
+            <a:schemeClr val="accent1">
+              <a:shade val="50000"/>
+            </a:schemeClr>
+          </a:lnRef>
+          <a:fillRef idx="1">
+            <a:schemeClr val="accent1"/>
+          </a:fillRef>
+          <a:effectRef idx="0">
+            <a:schemeClr val="accent1"/>
+          </a:effectRef>
+          <a:fontRef idx="minor">
+            <a:schemeClr val="lt1"/>
+          </a:fontRef>
+        </p:style>
+        <p:txBody>
+          <a:bodyPr rtlCol="0" anchor="ctr"/>
+          <a:lstStyle/>
+          <a:p>
+            <a:pPr algn="ctr"/>
+            <a:endParaRPr lang="es-MX"/>
+          </a:p>
+        </p:txBody>
+      </p:sp>
     </p:spTree>
     <p:extLst>
       <p:ext uri="{BB962C8B-B14F-4D97-AF65-F5344CB8AC3E}">
@@ -6940,6 +7174,52 @@
           </a:prstGeom>
         </p:spPr>
       </p:pic>
+      <p:sp>
+        <p:nvSpPr>
+          <p:cNvPr id="4" name="Rectángulo redondeado 2"/>
+          <p:cNvSpPr/>
+          <p:nvPr/>
+        </p:nvSpPr>
+        <p:spPr>
+          <a:xfrm>
+            <a:off x="647122" y="914401"/>
+            <a:ext cx="3654713" cy="1371599"/>
+          </a:xfrm>
+          <a:prstGeom prst="roundRect">
+            <a:avLst/>
+          </a:prstGeom>
+          <a:noFill/>
+          <a:ln w="38100">
+            <a:solidFill>
+              <a:srgbClr val="FF0000"/>
+            </a:solidFill>
+          </a:ln>
+        </p:spPr>
+        <p:style>
+          <a:lnRef idx="2">
+            <a:schemeClr val="accent1">
+              <a:shade val="50000"/>
+            </a:schemeClr>
+          </a:lnRef>
+          <a:fillRef idx="1">
+            <a:schemeClr val="accent1"/>
+          </a:fillRef>
+          <a:effectRef idx="0">
+            <a:schemeClr val="accent1"/>
+          </a:effectRef>
+          <a:fontRef idx="minor">
+            <a:schemeClr val="lt1"/>
+          </a:fontRef>
+        </p:style>
+        <p:txBody>
+          <a:bodyPr rtlCol="0" anchor="ctr"/>
+          <a:lstStyle/>
+          <a:p>
+            <a:pPr algn="ctr"/>
+            <a:endParaRPr lang="es-MX"/>
+          </a:p>
+        </p:txBody>
+      </p:sp>
     </p:spTree>
     <p:extLst>
       <p:ext uri="{BB962C8B-B14F-4D97-AF65-F5344CB8AC3E}">
@@ -6994,6 +7274,52 @@
           </a:prstGeom>
         </p:spPr>
       </p:pic>
+      <p:sp>
+        <p:nvSpPr>
+          <p:cNvPr id="3" name="Rectángulo redondeado 2"/>
+          <p:cNvSpPr/>
+          <p:nvPr/>
+        </p:nvSpPr>
+        <p:spPr>
+          <a:xfrm>
+            <a:off x="700087" y="5538356"/>
+            <a:ext cx="1240270" cy="374071"/>
+          </a:xfrm>
+          <a:prstGeom prst="roundRect">
+            <a:avLst/>
+          </a:prstGeom>
+          <a:noFill/>
+          <a:ln w="38100">
+            <a:solidFill>
+              <a:srgbClr val="FF0000"/>
+            </a:solidFill>
+          </a:ln>
+        </p:spPr>
+        <p:style>
+          <a:lnRef idx="2">
+            <a:schemeClr val="accent1">
+              <a:shade val="50000"/>
+            </a:schemeClr>
+          </a:lnRef>
+          <a:fillRef idx="1">
+            <a:schemeClr val="accent1"/>
+          </a:fillRef>
+          <a:effectRef idx="0">
+            <a:schemeClr val="accent1"/>
+          </a:effectRef>
+          <a:fontRef idx="minor">
+            <a:schemeClr val="lt1"/>
+          </a:fontRef>
+        </p:style>
+        <p:txBody>
+          <a:bodyPr rtlCol="0" anchor="ctr"/>
+          <a:lstStyle/>
+          <a:p>
+            <a:pPr algn="ctr"/>
+            <a:endParaRPr lang="es-MX"/>
+          </a:p>
+        </p:txBody>
+      </p:sp>
     </p:spTree>
     <p:extLst>
       <p:ext uri="{BB962C8B-B14F-4D97-AF65-F5344CB8AC3E}">
@@ -7048,6 +7374,52 @@
           </a:prstGeom>
         </p:spPr>
       </p:pic>
+      <p:sp>
+        <p:nvSpPr>
+          <p:cNvPr id="3" name="Rectángulo redondeado 2"/>
+          <p:cNvSpPr/>
+          <p:nvPr/>
+        </p:nvSpPr>
+        <p:spPr>
+          <a:xfrm>
+            <a:off x="638175" y="6317672"/>
+            <a:ext cx="1086716" cy="322263"/>
+          </a:xfrm>
+          <a:prstGeom prst="roundRect">
+            <a:avLst/>
+          </a:prstGeom>
+          <a:noFill/>
+          <a:ln w="38100">
+            <a:solidFill>
+              <a:srgbClr val="FF0000"/>
+            </a:solidFill>
+          </a:ln>
+        </p:spPr>
+        <p:style>
+          <a:lnRef idx="2">
+            <a:schemeClr val="accent1">
+              <a:shade val="50000"/>
+            </a:schemeClr>
+          </a:lnRef>
+          <a:fillRef idx="1">
+            <a:schemeClr val="accent1"/>
+          </a:fillRef>
+          <a:effectRef idx="0">
+            <a:schemeClr val="accent1"/>
+          </a:effectRef>
+          <a:fontRef idx="minor">
+            <a:schemeClr val="lt1"/>
+          </a:fontRef>
+        </p:style>
+        <p:txBody>
+          <a:bodyPr rtlCol="0" anchor="ctr"/>
+          <a:lstStyle/>
+          <a:p>
+            <a:pPr algn="ctr"/>
+            <a:endParaRPr lang="es-MX"/>
+          </a:p>
+        </p:txBody>
+      </p:sp>
     </p:spTree>
     <p:extLst>
       <p:ext uri="{BB962C8B-B14F-4D97-AF65-F5344CB8AC3E}">
@@ -7126,6 +7498,52 @@
           </a:prstGeom>
         </p:spPr>
       </p:pic>
+      <p:sp>
+        <p:nvSpPr>
+          <p:cNvPr id="4" name="Rectángulo redondeado 2"/>
+          <p:cNvSpPr/>
+          <p:nvPr/>
+        </p:nvSpPr>
+        <p:spPr>
+          <a:xfrm>
+            <a:off x="535711" y="3318933"/>
+            <a:ext cx="3547916" cy="1922462"/>
+          </a:xfrm>
+          <a:prstGeom prst="roundRect">
+            <a:avLst/>
+          </a:prstGeom>
+          <a:noFill/>
+          <a:ln w="38100">
+            <a:solidFill>
+              <a:srgbClr val="FF0000"/>
+            </a:solidFill>
+          </a:ln>
+        </p:spPr>
+        <p:style>
+          <a:lnRef idx="2">
+            <a:schemeClr val="accent1">
+              <a:shade val="50000"/>
+            </a:schemeClr>
+          </a:lnRef>
+          <a:fillRef idx="1">
+            <a:schemeClr val="accent1"/>
+          </a:fillRef>
+          <a:effectRef idx="0">
+            <a:schemeClr val="accent1"/>
+          </a:effectRef>
+          <a:fontRef idx="minor">
+            <a:schemeClr val="lt1"/>
+          </a:fontRef>
+        </p:style>
+        <p:txBody>
+          <a:bodyPr rtlCol="0" anchor="ctr"/>
+          <a:lstStyle/>
+          <a:p>
+            <a:pPr algn="ctr"/>
+            <a:endParaRPr lang="es-MX"/>
+          </a:p>
+        </p:txBody>
+      </p:sp>
     </p:spTree>
     <p:extLst>
       <p:ext uri="{BB962C8B-B14F-4D97-AF65-F5344CB8AC3E}">
@@ -7204,6 +7622,52 @@
           </a:prstGeom>
         </p:spPr>
       </p:pic>
+      <p:sp>
+        <p:nvSpPr>
+          <p:cNvPr id="4" name="Rectángulo redondeado 2"/>
+          <p:cNvSpPr/>
+          <p:nvPr/>
+        </p:nvSpPr>
+        <p:spPr>
+          <a:xfrm>
+            <a:off x="259773" y="1543580"/>
+            <a:ext cx="3927763" cy="2321838"/>
+          </a:xfrm>
+          <a:prstGeom prst="roundRect">
+            <a:avLst/>
+          </a:prstGeom>
+          <a:noFill/>
+          <a:ln w="38100">
+            <a:solidFill>
+              <a:srgbClr val="FF0000"/>
+            </a:solidFill>
+          </a:ln>
+        </p:spPr>
+        <p:style>
+          <a:lnRef idx="2">
+            <a:schemeClr val="accent1">
+              <a:shade val="50000"/>
+            </a:schemeClr>
+          </a:lnRef>
+          <a:fillRef idx="1">
+            <a:schemeClr val="accent1"/>
+          </a:fillRef>
+          <a:effectRef idx="0">
+            <a:schemeClr val="accent1"/>
+          </a:effectRef>
+          <a:fontRef idx="minor">
+            <a:schemeClr val="lt1"/>
+          </a:fontRef>
+        </p:style>
+        <p:txBody>
+          <a:bodyPr rtlCol="0" anchor="ctr"/>
+          <a:lstStyle/>
+          <a:p>
+            <a:pPr algn="ctr"/>
+            <a:endParaRPr lang="es-MX"/>
+          </a:p>
+        </p:txBody>
+      </p:sp>
     </p:spTree>
     <p:extLst>
       <p:ext uri="{BB962C8B-B14F-4D97-AF65-F5344CB8AC3E}">
@@ -7258,6 +7722,52 @@
           </a:prstGeom>
         </p:spPr>
       </p:pic>
+      <p:sp>
+        <p:nvSpPr>
+          <p:cNvPr id="4" name="Rectángulo redondeado 2"/>
+          <p:cNvSpPr/>
+          <p:nvPr/>
+        </p:nvSpPr>
+        <p:spPr>
+          <a:xfrm>
+            <a:off x="604837" y="3844637"/>
+            <a:ext cx="1587645" cy="384463"/>
+          </a:xfrm>
+          <a:prstGeom prst="roundRect">
+            <a:avLst/>
+          </a:prstGeom>
+          <a:noFill/>
+          <a:ln w="38100">
+            <a:solidFill>
+              <a:srgbClr val="FF0000"/>
+            </a:solidFill>
+          </a:ln>
+        </p:spPr>
+        <p:style>
+          <a:lnRef idx="2">
+            <a:schemeClr val="accent1">
+              <a:shade val="50000"/>
+            </a:schemeClr>
+          </a:lnRef>
+          <a:fillRef idx="1">
+            <a:schemeClr val="accent1"/>
+          </a:fillRef>
+          <a:effectRef idx="0">
+            <a:schemeClr val="accent1"/>
+          </a:effectRef>
+          <a:fontRef idx="minor">
+            <a:schemeClr val="lt1"/>
+          </a:fontRef>
+        </p:style>
+        <p:txBody>
+          <a:bodyPr rtlCol="0" anchor="ctr"/>
+          <a:lstStyle/>
+          <a:p>
+            <a:pPr algn="ctr"/>
+            <a:endParaRPr lang="es-MX"/>
+          </a:p>
+        </p:txBody>
+      </p:sp>
     </p:spTree>
     <p:extLst>
       <p:ext uri="{BB962C8B-B14F-4D97-AF65-F5344CB8AC3E}">
@@ -7312,6 +7822,52 @@
           </a:prstGeom>
         </p:spPr>
       </p:pic>
+      <p:sp>
+        <p:nvSpPr>
+          <p:cNvPr id="3" name="Rectángulo redondeado 2"/>
+          <p:cNvSpPr/>
+          <p:nvPr/>
+        </p:nvSpPr>
+        <p:spPr>
+          <a:xfrm>
+            <a:off x="2159578" y="5143500"/>
+            <a:ext cx="2235777" cy="311728"/>
+          </a:xfrm>
+          <a:prstGeom prst="roundRect">
+            <a:avLst/>
+          </a:prstGeom>
+          <a:noFill/>
+          <a:ln w="38100">
+            <a:solidFill>
+              <a:srgbClr val="FF0000"/>
+            </a:solidFill>
+          </a:ln>
+        </p:spPr>
+        <p:style>
+          <a:lnRef idx="2">
+            <a:schemeClr val="accent1">
+              <a:shade val="50000"/>
+            </a:schemeClr>
+          </a:lnRef>
+          <a:fillRef idx="1">
+            <a:schemeClr val="accent1"/>
+          </a:fillRef>
+          <a:effectRef idx="0">
+            <a:schemeClr val="accent1"/>
+          </a:effectRef>
+          <a:fontRef idx="minor">
+            <a:schemeClr val="lt1"/>
+          </a:fontRef>
+        </p:style>
+        <p:txBody>
+          <a:bodyPr rtlCol="0" anchor="ctr"/>
+          <a:lstStyle/>
+          <a:p>
+            <a:pPr algn="ctr"/>
+            <a:endParaRPr lang="es-MX"/>
+          </a:p>
+        </p:txBody>
+      </p:sp>
     </p:spTree>
     <p:extLst>
       <p:ext uri="{BB962C8B-B14F-4D97-AF65-F5344CB8AC3E}">
@@ -7681,6 +8237,52 @@
           </a:prstGeom>
         </p:spPr>
       </p:pic>
+      <p:sp>
+        <p:nvSpPr>
+          <p:cNvPr id="3" name="Rectángulo redondeado 2"/>
+          <p:cNvSpPr/>
+          <p:nvPr/>
+        </p:nvSpPr>
+        <p:spPr>
+          <a:xfrm>
+            <a:off x="2414587" y="5122717"/>
+            <a:ext cx="1617086" cy="748291"/>
+          </a:xfrm>
+          <a:prstGeom prst="roundRect">
+            <a:avLst/>
+          </a:prstGeom>
+          <a:noFill/>
+          <a:ln w="38100">
+            <a:solidFill>
+              <a:srgbClr val="FF0000"/>
+            </a:solidFill>
+          </a:ln>
+        </p:spPr>
+        <p:style>
+          <a:lnRef idx="2">
+            <a:schemeClr val="accent1">
+              <a:shade val="50000"/>
+            </a:schemeClr>
+          </a:lnRef>
+          <a:fillRef idx="1">
+            <a:schemeClr val="accent1"/>
+          </a:fillRef>
+          <a:effectRef idx="0">
+            <a:schemeClr val="accent1"/>
+          </a:effectRef>
+          <a:fontRef idx="minor">
+            <a:schemeClr val="lt1"/>
+          </a:fontRef>
+        </p:style>
+        <p:txBody>
+          <a:bodyPr rtlCol="0" anchor="ctr"/>
+          <a:lstStyle/>
+          <a:p>
+            <a:pPr algn="ctr"/>
+            <a:endParaRPr lang="es-MX"/>
+          </a:p>
+        </p:txBody>
+      </p:sp>
     </p:spTree>
     <p:extLst>
       <p:ext uri="{BB962C8B-B14F-4D97-AF65-F5344CB8AC3E}">
@@ -7843,6 +8445,52 @@
           </a:prstGeom>
         </p:spPr>
       </p:pic>
+      <p:sp>
+        <p:nvSpPr>
+          <p:cNvPr id="3" name="Rectángulo redondeado 2"/>
+          <p:cNvSpPr/>
+          <p:nvPr/>
+        </p:nvSpPr>
+        <p:spPr>
+          <a:xfrm>
+            <a:off x="633411" y="3138054"/>
+            <a:ext cx="2192915" cy="571501"/>
+          </a:xfrm>
+          <a:prstGeom prst="roundRect">
+            <a:avLst/>
+          </a:prstGeom>
+          <a:noFill/>
+          <a:ln w="38100">
+            <a:solidFill>
+              <a:srgbClr val="FF0000"/>
+            </a:solidFill>
+          </a:ln>
+        </p:spPr>
+        <p:style>
+          <a:lnRef idx="2">
+            <a:schemeClr val="accent1">
+              <a:shade val="50000"/>
+            </a:schemeClr>
+          </a:lnRef>
+          <a:fillRef idx="1">
+            <a:schemeClr val="accent1"/>
+          </a:fillRef>
+          <a:effectRef idx="0">
+            <a:schemeClr val="accent1"/>
+          </a:effectRef>
+          <a:fontRef idx="minor">
+            <a:schemeClr val="lt1"/>
+          </a:fontRef>
+        </p:style>
+        <p:txBody>
+          <a:bodyPr rtlCol="0" anchor="ctr"/>
+          <a:lstStyle/>
+          <a:p>
+            <a:pPr algn="ctr"/>
+            <a:endParaRPr lang="es-MX"/>
+          </a:p>
+        </p:txBody>
+      </p:sp>
     </p:spTree>
     <p:extLst>
       <p:ext uri="{BB962C8B-B14F-4D97-AF65-F5344CB8AC3E}">
@@ -8005,6 +8653,52 @@
           </a:prstGeom>
         </p:spPr>
       </p:pic>
+      <p:sp>
+        <p:nvSpPr>
+          <p:cNvPr id="3" name="Rectángulo redondeado 2"/>
+          <p:cNvSpPr/>
+          <p:nvPr/>
+        </p:nvSpPr>
+        <p:spPr>
+          <a:xfrm>
+            <a:off x="718271" y="4384964"/>
+            <a:ext cx="1900238" cy="313267"/>
+          </a:xfrm>
+          <a:prstGeom prst="roundRect">
+            <a:avLst/>
+          </a:prstGeom>
+          <a:noFill/>
+          <a:ln w="38100">
+            <a:solidFill>
+              <a:srgbClr val="FF0000"/>
+            </a:solidFill>
+          </a:ln>
+        </p:spPr>
+        <p:style>
+          <a:lnRef idx="2">
+            <a:schemeClr val="accent1">
+              <a:shade val="50000"/>
+            </a:schemeClr>
+          </a:lnRef>
+          <a:fillRef idx="1">
+            <a:schemeClr val="accent1"/>
+          </a:fillRef>
+          <a:effectRef idx="0">
+            <a:schemeClr val="accent1"/>
+          </a:effectRef>
+          <a:fontRef idx="minor">
+            <a:schemeClr val="lt1"/>
+          </a:fontRef>
+        </p:style>
+        <p:txBody>
+          <a:bodyPr rtlCol="0" anchor="ctr"/>
+          <a:lstStyle/>
+          <a:p>
+            <a:pPr algn="ctr"/>
+            <a:endParaRPr lang="es-MX"/>
+          </a:p>
+        </p:txBody>
+      </p:sp>
     </p:spTree>
     <p:extLst>
       <p:ext uri="{BB962C8B-B14F-4D97-AF65-F5344CB8AC3E}">
@@ -8059,6 +8753,54 @@
           </a:prstGeom>
         </p:spPr>
       </p:pic>
+      <p:sp>
+        <p:nvSpPr>
+          <p:cNvPr id="3" name="2 Triángulo isósceles"/>
+          <p:cNvSpPr/>
+          <p:nvPr/>
+        </p:nvSpPr>
+        <p:spPr>
+          <a:xfrm>
+            <a:off x="9019309" y="2815936"/>
+            <a:ext cx="2701636" cy="2784764"/>
+          </a:xfrm>
+          <a:prstGeom prst="triangle">
+            <a:avLst/>
+          </a:prstGeom>
+          <a:solidFill>
+            <a:srgbClr val="FF0000"/>
+          </a:solidFill>
+          <a:ln w="76200">
+            <a:solidFill>
+              <a:schemeClr val="tx1"/>
+            </a:solidFill>
+          </a:ln>
+        </p:spPr>
+        <p:style>
+          <a:lnRef idx="2">
+            <a:schemeClr val="accent1">
+              <a:shade val="50000"/>
+            </a:schemeClr>
+          </a:lnRef>
+          <a:fillRef idx="1">
+            <a:schemeClr val="accent1"/>
+          </a:fillRef>
+          <a:effectRef idx="0">
+            <a:schemeClr val="accent1"/>
+          </a:effectRef>
+          <a:fontRef idx="minor">
+            <a:schemeClr val="lt1"/>
+          </a:fontRef>
+        </p:style>
+        <p:txBody>
+          <a:bodyPr rtlCol="0" anchor="ctr"/>
+          <a:lstStyle/>
+          <a:p>
+            <a:pPr algn="ctr"/>
+            <a:endParaRPr lang="es-MX"/>
+          </a:p>
+        </p:txBody>
+      </p:sp>
     </p:spTree>
     <p:extLst>
       <p:ext uri="{BB962C8B-B14F-4D97-AF65-F5344CB8AC3E}">
@@ -8240,6 +8982,54 @@
           </a:prstGeom>
         </p:spPr>
       </p:pic>
+      <p:sp>
+        <p:nvSpPr>
+          <p:cNvPr id="3" name="2 Triángulo isósceles"/>
+          <p:cNvSpPr/>
+          <p:nvPr/>
+        </p:nvSpPr>
+        <p:spPr>
+          <a:xfrm>
+            <a:off x="9019309" y="2815936"/>
+            <a:ext cx="2701636" cy="2784764"/>
+          </a:xfrm>
+          <a:prstGeom prst="triangle">
+            <a:avLst/>
+          </a:prstGeom>
+          <a:solidFill>
+            <a:srgbClr val="FF0000"/>
+          </a:solidFill>
+          <a:ln w="76200">
+            <a:solidFill>
+              <a:schemeClr val="tx1"/>
+            </a:solidFill>
+          </a:ln>
+        </p:spPr>
+        <p:style>
+          <a:lnRef idx="2">
+            <a:schemeClr val="accent1">
+              <a:shade val="50000"/>
+            </a:schemeClr>
+          </a:lnRef>
+          <a:fillRef idx="1">
+            <a:schemeClr val="accent1"/>
+          </a:fillRef>
+          <a:effectRef idx="0">
+            <a:schemeClr val="accent1"/>
+          </a:effectRef>
+          <a:fontRef idx="minor">
+            <a:schemeClr val="lt1"/>
+          </a:fontRef>
+        </p:style>
+        <p:txBody>
+          <a:bodyPr rtlCol="0" anchor="ctr"/>
+          <a:lstStyle/>
+          <a:p>
+            <a:pPr algn="ctr"/>
+            <a:endParaRPr lang="es-MX"/>
+          </a:p>
+        </p:txBody>
+      </p:sp>
     </p:spTree>
     <p:extLst>
       <p:ext uri="{BB962C8B-B14F-4D97-AF65-F5344CB8AC3E}">
@@ -8318,6 +9108,54 @@
           </a:prstGeom>
         </p:spPr>
       </p:pic>
+      <p:sp>
+        <p:nvSpPr>
+          <p:cNvPr id="4" name="3 Triángulo isósceles"/>
+          <p:cNvSpPr/>
+          <p:nvPr/>
+        </p:nvSpPr>
+        <p:spPr>
+          <a:xfrm>
+            <a:off x="9019309" y="2815936"/>
+            <a:ext cx="2701636" cy="2784764"/>
+          </a:xfrm>
+          <a:prstGeom prst="triangle">
+            <a:avLst/>
+          </a:prstGeom>
+          <a:solidFill>
+            <a:srgbClr val="FF0000"/>
+          </a:solidFill>
+          <a:ln w="76200">
+            <a:solidFill>
+              <a:schemeClr val="tx1"/>
+            </a:solidFill>
+          </a:ln>
+        </p:spPr>
+        <p:style>
+          <a:lnRef idx="2">
+            <a:schemeClr val="accent1">
+              <a:shade val="50000"/>
+            </a:schemeClr>
+          </a:lnRef>
+          <a:fillRef idx="1">
+            <a:schemeClr val="accent1"/>
+          </a:fillRef>
+          <a:effectRef idx="0">
+            <a:schemeClr val="accent1"/>
+          </a:effectRef>
+          <a:fontRef idx="minor">
+            <a:schemeClr val="lt1"/>
+          </a:fontRef>
+        </p:style>
+        <p:txBody>
+          <a:bodyPr rtlCol="0" anchor="ctr"/>
+          <a:lstStyle/>
+          <a:p>
+            <a:pPr algn="ctr"/>
+            <a:endParaRPr lang="es-MX"/>
+          </a:p>
+        </p:txBody>
+      </p:sp>
     </p:spTree>
     <p:extLst>
       <p:ext uri="{BB962C8B-B14F-4D97-AF65-F5344CB8AC3E}">
@@ -8372,6 +9210,54 @@
           </a:prstGeom>
         </p:spPr>
       </p:pic>
+      <p:sp>
+        <p:nvSpPr>
+          <p:cNvPr id="3" name="2 Triángulo isósceles"/>
+          <p:cNvSpPr/>
+          <p:nvPr/>
+        </p:nvSpPr>
+        <p:spPr>
+          <a:xfrm>
+            <a:off x="9019309" y="2805545"/>
+            <a:ext cx="2701636" cy="2784764"/>
+          </a:xfrm>
+          <a:prstGeom prst="triangle">
+            <a:avLst/>
+          </a:prstGeom>
+          <a:solidFill>
+            <a:srgbClr val="FF0000"/>
+          </a:solidFill>
+          <a:ln w="76200">
+            <a:solidFill>
+              <a:schemeClr val="tx1"/>
+            </a:solidFill>
+          </a:ln>
+        </p:spPr>
+        <p:style>
+          <a:lnRef idx="2">
+            <a:schemeClr val="accent1">
+              <a:shade val="50000"/>
+            </a:schemeClr>
+          </a:lnRef>
+          <a:fillRef idx="1">
+            <a:schemeClr val="accent1"/>
+          </a:fillRef>
+          <a:effectRef idx="0">
+            <a:schemeClr val="accent1"/>
+          </a:effectRef>
+          <a:fontRef idx="minor">
+            <a:schemeClr val="lt1"/>
+          </a:fontRef>
+        </p:style>
+        <p:txBody>
+          <a:bodyPr rtlCol="0" anchor="ctr"/>
+          <a:lstStyle/>
+          <a:p>
+            <a:pPr algn="ctr"/>
+            <a:endParaRPr lang="es-MX"/>
+          </a:p>
+        </p:txBody>
+      </p:sp>
     </p:spTree>
     <p:extLst>
       <p:ext uri="{BB962C8B-B14F-4D97-AF65-F5344CB8AC3E}">
@@ -8418,7 +9304,7 @@
         </p:blipFill>
         <p:spPr>
           <a:xfrm>
-            <a:off x="614362" y="519112"/>
+            <a:off x="614362" y="499870"/>
             <a:ext cx="10963275" cy="5819775"/>
           </a:xfrm>
           <a:prstGeom prst="rect">
@@ -8426,6 +9312,52 @@
           </a:prstGeom>
         </p:spPr>
       </p:pic>
+      <p:sp>
+        <p:nvSpPr>
+          <p:cNvPr id="4" name="Rectángulo redondeado 2"/>
+          <p:cNvSpPr/>
+          <p:nvPr/>
+        </p:nvSpPr>
+        <p:spPr>
+          <a:xfrm>
+            <a:off x="645535" y="4810991"/>
+            <a:ext cx="1468438" cy="313267"/>
+          </a:xfrm>
+          <a:prstGeom prst="roundRect">
+            <a:avLst/>
+          </a:prstGeom>
+          <a:noFill/>
+          <a:ln w="38100">
+            <a:solidFill>
+              <a:srgbClr val="FF0000"/>
+            </a:solidFill>
+          </a:ln>
+        </p:spPr>
+        <p:style>
+          <a:lnRef idx="2">
+            <a:schemeClr val="accent1">
+              <a:shade val="50000"/>
+            </a:schemeClr>
+          </a:lnRef>
+          <a:fillRef idx="1">
+            <a:schemeClr val="accent1"/>
+          </a:fillRef>
+          <a:effectRef idx="0">
+            <a:schemeClr val="accent1"/>
+          </a:effectRef>
+          <a:fontRef idx="minor">
+            <a:schemeClr val="lt1"/>
+          </a:fontRef>
+        </p:style>
+        <p:txBody>
+          <a:bodyPr rtlCol="0" anchor="ctr"/>
+          <a:lstStyle/>
+          <a:p>
+            <a:pPr algn="ctr"/>
+            <a:endParaRPr lang="es-MX"/>
+          </a:p>
+        </p:txBody>
+      </p:sp>
     </p:spTree>
     <p:extLst>
       <p:ext uri="{BB962C8B-B14F-4D97-AF65-F5344CB8AC3E}">
@@ -8480,6 +9412,54 @@
           </a:prstGeom>
         </p:spPr>
       </p:pic>
+      <p:sp>
+        <p:nvSpPr>
+          <p:cNvPr id="3" name="2 Triángulo isósceles"/>
+          <p:cNvSpPr/>
+          <p:nvPr/>
+        </p:nvSpPr>
+        <p:spPr>
+          <a:xfrm>
+            <a:off x="9019309" y="2815936"/>
+            <a:ext cx="2701636" cy="2784764"/>
+          </a:xfrm>
+          <a:prstGeom prst="triangle">
+            <a:avLst/>
+          </a:prstGeom>
+          <a:solidFill>
+            <a:srgbClr val="FF0000"/>
+          </a:solidFill>
+          <a:ln w="76200">
+            <a:solidFill>
+              <a:schemeClr val="tx1"/>
+            </a:solidFill>
+          </a:ln>
+        </p:spPr>
+        <p:style>
+          <a:lnRef idx="2">
+            <a:schemeClr val="accent1">
+              <a:shade val="50000"/>
+            </a:schemeClr>
+          </a:lnRef>
+          <a:fillRef idx="1">
+            <a:schemeClr val="accent1"/>
+          </a:fillRef>
+          <a:effectRef idx="0">
+            <a:schemeClr val="accent1"/>
+          </a:effectRef>
+          <a:fontRef idx="minor">
+            <a:schemeClr val="lt1"/>
+          </a:fontRef>
+        </p:style>
+        <p:txBody>
+          <a:bodyPr rtlCol="0" anchor="ctr"/>
+          <a:lstStyle/>
+          <a:p>
+            <a:pPr algn="ctr"/>
+            <a:endParaRPr lang="es-MX"/>
+          </a:p>
+        </p:txBody>
+      </p:sp>
     </p:spTree>
     <p:extLst>
       <p:ext uri="{BB962C8B-B14F-4D97-AF65-F5344CB8AC3E}">
@@ -8634,6 +9614,54 @@
           </a:prstGeom>
         </p:spPr>
       </p:pic>
+      <p:sp>
+        <p:nvSpPr>
+          <p:cNvPr id="3" name="2 Triángulo isósceles"/>
+          <p:cNvSpPr/>
+          <p:nvPr/>
+        </p:nvSpPr>
+        <p:spPr>
+          <a:xfrm>
+            <a:off x="9019309" y="2815936"/>
+            <a:ext cx="2701636" cy="2784764"/>
+          </a:xfrm>
+          <a:prstGeom prst="triangle">
+            <a:avLst/>
+          </a:prstGeom>
+          <a:solidFill>
+            <a:srgbClr val="FF0000"/>
+          </a:solidFill>
+          <a:ln w="76200">
+            <a:solidFill>
+              <a:schemeClr val="tx1"/>
+            </a:solidFill>
+          </a:ln>
+        </p:spPr>
+        <p:style>
+          <a:lnRef idx="2">
+            <a:schemeClr val="accent1">
+              <a:shade val="50000"/>
+            </a:schemeClr>
+          </a:lnRef>
+          <a:fillRef idx="1">
+            <a:schemeClr val="accent1"/>
+          </a:fillRef>
+          <a:effectRef idx="0">
+            <a:schemeClr val="accent1"/>
+          </a:effectRef>
+          <a:fontRef idx="minor">
+            <a:schemeClr val="lt1"/>
+          </a:fontRef>
+        </p:style>
+        <p:txBody>
+          <a:bodyPr rtlCol="0" anchor="ctr"/>
+          <a:lstStyle/>
+          <a:p>
+            <a:pPr algn="ctr"/>
+            <a:endParaRPr lang="es-MX"/>
+          </a:p>
+        </p:txBody>
+      </p:sp>
     </p:spTree>
     <p:extLst>
       <p:ext uri="{BB962C8B-B14F-4D97-AF65-F5344CB8AC3E}">
@@ -8712,6 +9740,100 @@
           </a:prstGeom>
         </p:spPr>
       </p:pic>
+      <p:sp>
+        <p:nvSpPr>
+          <p:cNvPr id="4" name="Rectángulo redondeado 2"/>
+          <p:cNvSpPr/>
+          <p:nvPr/>
+        </p:nvSpPr>
+        <p:spPr>
+          <a:xfrm>
+            <a:off x="4031673" y="2045931"/>
+            <a:ext cx="3341204" cy="2332566"/>
+          </a:xfrm>
+          <a:prstGeom prst="roundRect">
+            <a:avLst/>
+          </a:prstGeom>
+          <a:noFill/>
+          <a:ln w="38100">
+            <a:solidFill>
+              <a:srgbClr val="FF0000"/>
+            </a:solidFill>
+          </a:ln>
+        </p:spPr>
+        <p:style>
+          <a:lnRef idx="2">
+            <a:schemeClr val="accent1">
+              <a:shade val="50000"/>
+            </a:schemeClr>
+          </a:lnRef>
+          <a:fillRef idx="1">
+            <a:schemeClr val="accent1"/>
+          </a:fillRef>
+          <a:effectRef idx="0">
+            <a:schemeClr val="accent1"/>
+          </a:effectRef>
+          <a:fontRef idx="minor">
+            <a:schemeClr val="lt1"/>
+          </a:fontRef>
+        </p:style>
+        <p:txBody>
+          <a:bodyPr rtlCol="0" anchor="ctr"/>
+          <a:lstStyle/>
+          <a:p>
+            <a:pPr algn="ctr"/>
+            <a:endParaRPr lang="es-MX"/>
+          </a:p>
+        </p:txBody>
+      </p:sp>
+      <p:sp>
+        <p:nvSpPr>
+          <p:cNvPr id="5" name="4 Triángulo isósceles"/>
+          <p:cNvSpPr/>
+          <p:nvPr/>
+        </p:nvSpPr>
+        <p:spPr>
+          <a:xfrm>
+            <a:off x="9019309" y="2815936"/>
+            <a:ext cx="2701636" cy="2784764"/>
+          </a:xfrm>
+          <a:prstGeom prst="triangle">
+            <a:avLst/>
+          </a:prstGeom>
+          <a:solidFill>
+            <a:srgbClr val="FF0000"/>
+          </a:solidFill>
+          <a:ln w="76200">
+            <a:solidFill>
+              <a:schemeClr val="tx1"/>
+            </a:solidFill>
+          </a:ln>
+        </p:spPr>
+        <p:style>
+          <a:lnRef idx="2">
+            <a:schemeClr val="accent1">
+              <a:shade val="50000"/>
+            </a:schemeClr>
+          </a:lnRef>
+          <a:fillRef idx="1">
+            <a:schemeClr val="accent1"/>
+          </a:fillRef>
+          <a:effectRef idx="0">
+            <a:schemeClr val="accent1"/>
+          </a:effectRef>
+          <a:fontRef idx="minor">
+            <a:schemeClr val="lt1"/>
+          </a:fontRef>
+        </p:style>
+        <p:txBody>
+          <a:bodyPr rtlCol="0" anchor="ctr"/>
+          <a:lstStyle/>
+          <a:p>
+            <a:pPr algn="ctr"/>
+            <a:endParaRPr lang="es-MX"/>
+          </a:p>
+        </p:txBody>
+      </p:sp>
     </p:spTree>
     <p:extLst>
       <p:ext uri="{BB962C8B-B14F-4D97-AF65-F5344CB8AC3E}">
@@ -8766,6 +9888,52 @@
           </a:prstGeom>
         </p:spPr>
       </p:pic>
+      <p:sp>
+        <p:nvSpPr>
+          <p:cNvPr id="3" name="Rectángulo redondeado 2"/>
+          <p:cNvSpPr/>
+          <p:nvPr/>
+        </p:nvSpPr>
+        <p:spPr>
+          <a:xfrm>
+            <a:off x="1606044" y="4977245"/>
+            <a:ext cx="1105983" cy="550719"/>
+          </a:xfrm>
+          <a:prstGeom prst="roundRect">
+            <a:avLst/>
+          </a:prstGeom>
+          <a:noFill/>
+          <a:ln w="38100">
+            <a:solidFill>
+              <a:srgbClr val="FF0000"/>
+            </a:solidFill>
+          </a:ln>
+        </p:spPr>
+        <p:style>
+          <a:lnRef idx="2">
+            <a:schemeClr val="accent1">
+              <a:shade val="50000"/>
+            </a:schemeClr>
+          </a:lnRef>
+          <a:fillRef idx="1">
+            <a:schemeClr val="accent1"/>
+          </a:fillRef>
+          <a:effectRef idx="0">
+            <a:schemeClr val="accent1"/>
+          </a:effectRef>
+          <a:fontRef idx="minor">
+            <a:schemeClr val="lt1"/>
+          </a:fontRef>
+        </p:style>
+        <p:txBody>
+          <a:bodyPr rtlCol="0" anchor="ctr"/>
+          <a:lstStyle/>
+          <a:p>
+            <a:pPr algn="ctr"/>
+            <a:endParaRPr lang="es-MX"/>
+          </a:p>
+        </p:txBody>
+      </p:sp>
     </p:spTree>
     <p:extLst>
       <p:ext uri="{BB962C8B-B14F-4D97-AF65-F5344CB8AC3E}">
@@ -8820,6 +9988,52 @@
           </a:prstGeom>
         </p:spPr>
       </p:pic>
+      <p:sp>
+        <p:nvSpPr>
+          <p:cNvPr id="3" name="Rectángulo redondeado 2"/>
+          <p:cNvSpPr/>
+          <p:nvPr/>
+        </p:nvSpPr>
+        <p:spPr>
+          <a:xfrm>
+            <a:off x="576262" y="2701636"/>
+            <a:ext cx="1617086" cy="488373"/>
+          </a:xfrm>
+          <a:prstGeom prst="roundRect">
+            <a:avLst/>
+          </a:prstGeom>
+          <a:noFill/>
+          <a:ln w="38100">
+            <a:solidFill>
+              <a:srgbClr val="FF0000"/>
+            </a:solidFill>
+          </a:ln>
+        </p:spPr>
+        <p:style>
+          <a:lnRef idx="2">
+            <a:schemeClr val="accent1">
+              <a:shade val="50000"/>
+            </a:schemeClr>
+          </a:lnRef>
+          <a:fillRef idx="1">
+            <a:schemeClr val="accent1"/>
+          </a:fillRef>
+          <a:effectRef idx="0">
+            <a:schemeClr val="accent1"/>
+          </a:effectRef>
+          <a:fontRef idx="minor">
+            <a:schemeClr val="lt1"/>
+          </a:fontRef>
+        </p:style>
+        <p:txBody>
+          <a:bodyPr rtlCol="0" anchor="ctr"/>
+          <a:lstStyle/>
+          <a:p>
+            <a:pPr algn="ctr"/>
+            <a:endParaRPr lang="es-MX"/>
+          </a:p>
+        </p:txBody>
+      </p:sp>
     </p:spTree>
     <p:extLst>
       <p:ext uri="{BB962C8B-B14F-4D97-AF65-F5344CB8AC3E}">
@@ -8998,6 +10212,52 @@
           </a:prstGeom>
         </p:spPr>
       </p:pic>
+      <p:sp>
+        <p:nvSpPr>
+          <p:cNvPr id="4" name="Rectángulo redondeado 2"/>
+          <p:cNvSpPr/>
+          <p:nvPr/>
+        </p:nvSpPr>
+        <p:spPr>
+          <a:xfrm>
+            <a:off x="450705" y="3501736"/>
+            <a:ext cx="4287550" cy="3132426"/>
+          </a:xfrm>
+          <a:prstGeom prst="roundRect">
+            <a:avLst/>
+          </a:prstGeom>
+          <a:noFill/>
+          <a:ln w="38100">
+            <a:solidFill>
+              <a:srgbClr val="FF0000"/>
+            </a:solidFill>
+          </a:ln>
+        </p:spPr>
+        <p:style>
+          <a:lnRef idx="2">
+            <a:schemeClr val="accent1">
+              <a:shade val="50000"/>
+            </a:schemeClr>
+          </a:lnRef>
+          <a:fillRef idx="1">
+            <a:schemeClr val="accent1"/>
+          </a:fillRef>
+          <a:effectRef idx="0">
+            <a:schemeClr val="accent1"/>
+          </a:effectRef>
+          <a:fontRef idx="minor">
+            <a:schemeClr val="lt1"/>
+          </a:fontRef>
+        </p:style>
+        <p:txBody>
+          <a:bodyPr rtlCol="0" anchor="ctr"/>
+          <a:lstStyle/>
+          <a:p>
+            <a:pPr algn="ctr"/>
+            <a:endParaRPr lang="es-MX"/>
+          </a:p>
+        </p:txBody>
+      </p:sp>
     </p:spTree>
     <p:extLst>
       <p:ext uri="{BB962C8B-B14F-4D97-AF65-F5344CB8AC3E}">
@@ -9200,6 +10460,52 @@
           </a:prstGeom>
         </p:spPr>
       </p:pic>
+      <p:sp>
+        <p:nvSpPr>
+          <p:cNvPr id="5" name="Rectángulo redondeado 2"/>
+          <p:cNvSpPr/>
+          <p:nvPr/>
+        </p:nvSpPr>
+        <p:spPr>
+          <a:xfrm>
+            <a:off x="3599568" y="2653978"/>
+            <a:ext cx="3373881" cy="1951397"/>
+          </a:xfrm>
+          <a:prstGeom prst="roundRect">
+            <a:avLst/>
+          </a:prstGeom>
+          <a:noFill/>
+          <a:ln w="38100">
+            <a:solidFill>
+              <a:srgbClr val="FF0000"/>
+            </a:solidFill>
+          </a:ln>
+        </p:spPr>
+        <p:style>
+          <a:lnRef idx="2">
+            <a:schemeClr val="accent1">
+              <a:shade val="50000"/>
+            </a:schemeClr>
+          </a:lnRef>
+          <a:fillRef idx="1">
+            <a:schemeClr val="accent1"/>
+          </a:fillRef>
+          <a:effectRef idx="0">
+            <a:schemeClr val="accent1"/>
+          </a:effectRef>
+          <a:fontRef idx="minor">
+            <a:schemeClr val="lt1"/>
+          </a:fontRef>
+        </p:style>
+        <p:txBody>
+          <a:bodyPr rtlCol="0" anchor="ctr"/>
+          <a:lstStyle/>
+          <a:p>
+            <a:pPr algn="ctr"/>
+            <a:endParaRPr lang="es-MX"/>
+          </a:p>
+        </p:txBody>
+      </p:sp>
     </p:spTree>
     <p:extLst>
       <p:ext uri="{BB962C8B-B14F-4D97-AF65-F5344CB8AC3E}">
@@ -9656,7 +10962,7 @@
     </a:clrScheme>
     <a:fontScheme name="Office">
       <a:majorFont>
-        <a:latin typeface="Calibri Light" panose="020F0302020204030204"/>
+        <a:latin typeface="Calibri Light"/>
         <a:ea typeface=""/>
         <a:cs typeface=""/>
         <a:font script="Jpan" typeface="ＭＳ Ｐゴシック"/>
@@ -9691,7 +10997,7 @@
         <a:font script="Geor" typeface="Sylfaen"/>
       </a:majorFont>
       <a:minorFont>
-        <a:latin typeface="Calibri" panose="020F0502020204030204"/>
+        <a:latin typeface="Calibri"/>
         <a:ea typeface=""/>
         <a:cs typeface=""/>
         <a:font script="Jpan" typeface="ＭＳ Ｐゴシック"/>
@@ -9868,7 +11174,7 @@
   <a:extraClrSchemeLst/>
   <a:extLst>
     <a:ext uri="{05A4C25C-085E-4340-85A3-A5531E510DB2}">
-      <thm15:themeFamily xmlns:thm15="http://schemas.microsoft.com/office/thememl/2012/main" name="Office Theme" id="{62F939B6-93AF-4DB8-9C6B-D6C7DFDC589F}" vid="{4A3C46E8-61CC-4603-A589-7422A47A8E4A}"/>
+      <thm15:themeFamily xmlns:thm15="http://schemas.microsoft.com/office/thememl/2012/main" xmlns="" name="Office Theme" id="{62F939B6-93AF-4DB8-9C6B-D6C7DFDC589F}" vid="{4A3C46E8-61CC-4603-A589-7422A47A8E4A}"/>
     </a:ext>
   </a:extLst>
 </a:theme>
